--- a/Document-Templates/BASSCOM-PowerPoint-Template-Oct-2020.pptx
+++ b/Document-Templates/BASSCOM-PowerPoint-Template-Oct-2020.pptx
@@ -285,7 +285,7 @@
           <a:p>
             <a:fld id="{4E087215-0C8F-4762-A664-737A353EC9A4}" type="datetimeFigureOut">
               <a:rPr lang="bg-BG" smtClean="0"/>
-              <a:t>21.10.2020 г.</a:t>
+              <a:t>27.10.2020 г.</a:t>
             </a:fld>
             <a:endParaRPr lang="bg-BG"/>
           </a:p>
@@ -473,7 +473,7 @@
           <a:p>
             <a:fld id="{72D84649-876A-46C9-8472-14CB09C070D8}" type="datetimeFigureOut">
               <a:rPr lang="en-US" smtClean="0"/>
-              <a:t>21-Oct-20</a:t>
+              <a:t>27-Oct-20</a:t>
             </a:fld>
             <a:endParaRPr lang="en-US"/>
           </a:p>
@@ -5625,8 +5625,8 @@
         </p:nvSpPr>
         <p:spPr>
           <a:xfrm>
-            <a:off x="6745549" y="4464000"/>
-            <a:ext cx="4892269" cy="1936822"/>
+            <a:off x="6411000" y="4284000"/>
+            <a:ext cx="5226819" cy="2116822"/>
           </a:xfrm>
         </p:spPr>
         <p:txBody>
@@ -5649,131 +5649,6 @@
           </a:p>
         </p:txBody>
       </p:sp>
-      <p:sp>
-        <p:nvSpPr>
-          <p:cNvPr id="3" name="TextBox URL">
-            <a:extLst>
-              <a:ext uri="{FF2B5EF4-FFF2-40B4-BE49-F238E27FC236}">
-                <a16:creationId xmlns:a16="http://schemas.microsoft.com/office/drawing/2014/main" id="{CF80DC5E-93FB-40FC-8EE2-7446EA7C3BD8}"/>
-              </a:ext>
-            </a:extLst>
-          </p:cNvPr>
-          <p:cNvSpPr txBox="1"/>
-          <p:nvPr userDrawn="1"/>
-        </p:nvSpPr>
-        <p:spPr>
-          <a:xfrm>
-            <a:off x="554182" y="6031490"/>
-            <a:ext cx="4240038" cy="349702"/>
-          </a:xfrm>
-          <a:prstGeom prst="rect">
-            <a:avLst/>
-          </a:prstGeom>
-          <a:noFill/>
-          <a:ln w="12700">
-            <a:noFill/>
-          </a:ln>
-        </p:spPr>
-        <p:txBody>
-          <a:bodyPr wrap="square" lIns="36000" tIns="36000" rIns="36000" bIns="36000">
-            <a:spAutoFit/>
-          </a:bodyPr>
-          <a:lstStyle/>
-          <a:p>
-            <a:r>
-              <a:rPr lang="en-US" dirty="0">
-                <a:hlinkClick r:id="rId2"/>
-              </a:rPr>
-              <a:t>https://github.com/BASSCOM-Edu</a:t>
-            </a:r>
-            <a:endParaRPr lang="en-US" dirty="0"/>
-          </a:p>
-        </p:txBody>
-      </p:sp>
-      <p:pic>
-        <p:nvPicPr>
-          <p:cNvPr id="1026" name="License">
-            <a:hlinkClick r:id="rId3"/>
-            <a:extLst>
-              <a:ext uri="{FF2B5EF4-FFF2-40B4-BE49-F238E27FC236}">
-                <a16:creationId xmlns:a16="http://schemas.microsoft.com/office/drawing/2014/main" id="{7212C596-0AB1-45F3-8BF6-4496DB5AA63F}"/>
-              </a:ext>
-            </a:extLst>
-          </p:cNvPr>
-          <p:cNvPicPr>
-            <a:picLocks noChangeAspect="1" noChangeArrowheads="1"/>
-          </p:cNvPicPr>
-          <p:nvPr userDrawn="1"/>
-        </p:nvPicPr>
-        <p:blipFill>
-          <a:blip r:embed="rId4">
-            <a:extLst>
-              <a:ext uri="{28A0092B-C50C-407E-A947-70E740481C1C}">
-                <a14:useLocalDpi xmlns:a14="http://schemas.microsoft.com/office/drawing/2010/main" val="0"/>
-              </a:ext>
-            </a:extLst>
-          </a:blip>
-          <a:srcRect/>
-          <a:stretch>
-            <a:fillRect/>
-          </a:stretch>
-        </p:blipFill>
-        <p:spPr bwMode="auto">
-          <a:xfrm>
-            <a:off x="2736838" y="5178105"/>
-            <a:ext cx="2057382" cy="724905"/>
-          </a:xfrm>
-          <a:prstGeom prst="rect">
-            <a:avLst/>
-          </a:prstGeom>
-          <a:noFill/>
-          <a:extLst>
-            <a:ext uri="{909E8E84-426E-40DD-AFC4-6F175D3DCCD1}">
-              <a14:hiddenFill xmlns:a14="http://schemas.microsoft.com/office/drawing/2010/main">
-                <a:solidFill>
-                  <a:srgbClr val="FFFFFF"/>
-                </a:solidFill>
-              </a14:hiddenFill>
-            </a:ext>
-          </a:extLst>
-        </p:spPr>
-      </p:pic>
-      <p:pic>
-        <p:nvPicPr>
-          <p:cNvPr id="14" name="Logo">
-            <a:hlinkClick r:id="rId5"/>
-            <a:extLst>
-              <a:ext uri="{FF2B5EF4-FFF2-40B4-BE49-F238E27FC236}">
-                <a16:creationId xmlns:a16="http://schemas.microsoft.com/office/drawing/2014/main" id="{C4D6B2A2-DFF0-4712-BFEC-6676BEC99FEC}"/>
-              </a:ext>
-            </a:extLst>
-          </p:cNvPr>
-          <p:cNvPicPr>
-            <a:picLocks noChangeAspect="1"/>
-          </p:cNvPicPr>
-          <p:nvPr userDrawn="1"/>
-        </p:nvPicPr>
-        <p:blipFill>
-          <a:blip r:embed="rId6">
-            <a:extLst>
-              <a:ext uri="{28A0092B-C50C-407E-A947-70E740481C1C}">
-                <a14:useLocalDpi xmlns:a14="http://schemas.microsoft.com/office/drawing/2010/main" val="0"/>
-              </a:ext>
-            </a:extLst>
-          </a:blip>
-          <a:srcRect/>
-          <a:stretch/>
-        </p:blipFill>
-        <p:spPr>
-          <a:xfrm>
-            <a:off x="600362" y="5178105"/>
-            <a:ext cx="1848107" cy="724905"/>
-          </a:xfrm>
-          <a:prstGeom prst="rect">
-            <a:avLst/>
-          </a:prstGeom>
-        </p:spPr>
-      </p:pic>
       <p:sp>
         <p:nvSpPr>
           <p:cNvPr id="36" name="Text Placeholder Authors">
@@ -5792,8 +5667,8 @@
         </p:nvSpPr>
         <p:spPr bwMode="auto">
           <a:xfrm>
-            <a:off x="554182" y="4464000"/>
-            <a:ext cx="4240038" cy="539324"/>
+            <a:off x="554182" y="5289458"/>
+            <a:ext cx="4371818" cy="704542"/>
           </a:xfrm>
           <a:prstGeom prst="rect">
             <a:avLst/>
@@ -5852,7 +5727,7 @@
         </p:nvSpPr>
         <p:spPr>
           <a:xfrm>
-            <a:off x="554182" y="1332636"/>
+            <a:off x="554182" y="1602636"/>
             <a:ext cx="11083636" cy="1241364"/>
           </a:xfrm>
         </p:spPr>
@@ -5902,21 +5777,84 @@
         </p:nvSpPr>
         <p:spPr>
           <a:xfrm>
-            <a:off x="554182" y="321502"/>
-            <a:ext cx="11083636" cy="882654"/>
+            <a:off x="553773" y="422673"/>
+            <a:ext cx="11083636" cy="972654"/>
           </a:xfrm>
         </p:spPr>
         <p:txBody>
-          <a:bodyPr/>
+          <a:bodyPr>
+            <a:noAutofit/>
+          </a:bodyPr>
           <a:lstStyle>
             <a:lvl1pPr algn="ctr" latinLnBrk="0">
-              <a:defRPr sz="4798"/>
+              <a:defRPr sz="5400"/>
             </a:lvl1pPr>
           </a:lstStyle>
           <a:p>
             <a:r>
               <a:rPr lang="en-US" noProof="0" dirty="0"/>
               <a:t>Presentation Title</a:t>
+            </a:r>
+          </a:p>
+        </p:txBody>
+      </p:sp>
+      <p:sp>
+        <p:nvSpPr>
+          <p:cNvPr id="7" name="Text Placeholder 6">
+            <a:extLst>
+              <a:ext uri="{FF2B5EF4-FFF2-40B4-BE49-F238E27FC236}">
+                <a16:creationId xmlns:a16="http://schemas.microsoft.com/office/drawing/2014/main" id="{53D5229B-39A5-4E30-886D-B93FEE0AAF80}"/>
+              </a:ext>
+            </a:extLst>
+          </p:cNvPr>
+          <p:cNvSpPr>
+            <a:spLocks noGrp="1"/>
+          </p:cNvSpPr>
+          <p:nvPr>
+            <p:ph type="body" sz="quarter" idx="20" hasCustomPrompt="1"/>
+          </p:nvPr>
+        </p:nvSpPr>
+        <p:spPr>
+          <a:xfrm>
+            <a:off x="553773" y="6084000"/>
+            <a:ext cx="4371818" cy="351754"/>
+          </a:xfrm>
+          <a:noFill/>
+          <a:ln w="12700">
+            <a:noFill/>
+          </a:ln>
+        </p:spPr>
+        <p:txBody>
+          <a:bodyPr wrap="square" lIns="36000" tIns="36000" rIns="36000" bIns="36000" anchor="ctr" anchorCtr="0">
+            <a:spAutoFit/>
+          </a:bodyPr>
+          <a:lstStyle>
+            <a:lvl1pPr>
+              <a:buNone/>
+              <a:defRPr lang="en-US" sz="1800" dirty="0"/>
+            </a:lvl1pPr>
+            <a:lvl2pPr>
+              <a:buNone/>
+              <a:defRPr/>
+            </a:lvl2pPr>
+            <a:lvl3pPr>
+              <a:buNone/>
+              <a:defRPr/>
+            </a:lvl3pPr>
+            <a:lvl4pPr>
+              <a:buNone/>
+              <a:defRPr/>
+            </a:lvl4pPr>
+            <a:lvl5pPr>
+              <a:buNone/>
+              <a:defRPr/>
+            </a:lvl5pPr>
+          </a:lstStyle>
+          <a:p>
+            <a:pPr marL="0" lvl="0" defTabSz="914400"/>
+            <a:r>
+              <a:rPr lang="en-US" dirty="0"/>
+              <a:t>URL</a:t>
             </a:r>
           </a:p>
         </p:txBody>
@@ -6433,8 +6371,8 @@
         </p:nvSpPr>
         <p:spPr>
           <a:xfrm>
-            <a:off x="190406" y="100750"/>
-            <a:ext cx="9892438" cy="882654"/>
+            <a:off x="190405" y="100750"/>
+            <a:ext cx="11811191" cy="882654"/>
           </a:xfrm>
         </p:spPr>
         <p:txBody>
@@ -6456,76 +6394,6 @@
           </a:p>
         </p:txBody>
       </p:sp>
-      <p:pic>
-        <p:nvPicPr>
-          <p:cNvPr id="5" name="Logo">
-            <a:extLst>
-              <a:ext uri="{FF2B5EF4-FFF2-40B4-BE49-F238E27FC236}">
-                <a16:creationId xmlns:a16="http://schemas.microsoft.com/office/drawing/2014/main" id="{B751630B-01CE-4BCD-9FF4-C0F2DF18E273}"/>
-              </a:ext>
-            </a:extLst>
-          </p:cNvPr>
-          <p:cNvPicPr>
-            <a:picLocks noChangeAspect="1"/>
-          </p:cNvPicPr>
-          <p:nvPr userDrawn="1"/>
-        </p:nvPicPr>
-        <p:blipFill>
-          <a:blip r:embed="rId2">
-            <a:extLst>
-              <a:ext uri="{28A0092B-C50C-407E-A947-70E740481C1C}">
-                <a14:useLocalDpi xmlns:a14="http://schemas.microsoft.com/office/drawing/2010/main" val="0"/>
-              </a:ext>
-            </a:extLst>
-          </a:blip>
-          <a:srcRect/>
-          <a:stretch/>
-        </p:blipFill>
-        <p:spPr>
-          <a:xfrm>
-            <a:off x="10300050" y="223264"/>
-            <a:ext cx="1679544" cy="655003"/>
-          </a:xfrm>
-          <a:prstGeom prst="rect">
-            <a:avLst/>
-          </a:prstGeom>
-        </p:spPr>
-      </p:pic>
-      <p:pic>
-        <p:nvPicPr>
-          <p:cNvPr id="6" name="Logo">
-            <a:extLst>
-              <a:ext uri="{FF2B5EF4-FFF2-40B4-BE49-F238E27FC236}">
-                <a16:creationId xmlns:a16="http://schemas.microsoft.com/office/drawing/2014/main" id="{D155CF4E-0D05-4986-A02C-F8A48592B920}"/>
-              </a:ext>
-            </a:extLst>
-          </p:cNvPr>
-          <p:cNvPicPr>
-            <a:picLocks noChangeAspect="1"/>
-          </p:cNvPicPr>
-          <p:nvPr userDrawn="1"/>
-        </p:nvPicPr>
-        <p:blipFill>
-          <a:blip r:embed="rId2">
-            <a:extLst>
-              <a:ext uri="{28A0092B-C50C-407E-A947-70E740481C1C}">
-                <a14:useLocalDpi xmlns:a14="http://schemas.microsoft.com/office/drawing/2010/main" val="0"/>
-              </a:ext>
-            </a:extLst>
-          </a:blip>
-          <a:srcRect/>
-          <a:stretch/>
-        </p:blipFill>
-        <p:spPr>
-          <a:xfrm>
-            <a:off x="5401068" y="5513491"/>
-            <a:ext cx="1388053" cy="541325"/>
-          </a:xfrm>
-          <a:prstGeom prst="rect">
-            <a:avLst/>
-          </a:prstGeom>
-        </p:spPr>
-      </p:pic>
     </p:spTree>
     <p:extLst>
       <p:ext uri="{BB962C8B-B14F-4D97-AF65-F5344CB8AC3E}">
@@ -7109,7 +6977,7 @@
         <p:spPr>
           <a:xfrm>
             <a:off x="190406" y="100750"/>
-            <a:ext cx="9892438" cy="882654"/>
+            <a:ext cx="11804830" cy="882654"/>
           </a:xfrm>
         </p:spPr>
         <p:txBody>
@@ -7131,41 +6999,6 @@
           </a:p>
         </p:txBody>
       </p:sp>
-      <p:pic>
-        <p:nvPicPr>
-          <p:cNvPr id="6" name="Logo">
-            <a:extLst>
-              <a:ext uri="{FF2B5EF4-FFF2-40B4-BE49-F238E27FC236}">
-                <a16:creationId xmlns:a16="http://schemas.microsoft.com/office/drawing/2014/main" id="{4D7FE85B-8F3D-49E8-86C6-013F82C7F2F5}"/>
-              </a:ext>
-            </a:extLst>
-          </p:cNvPr>
-          <p:cNvPicPr>
-            <a:picLocks noChangeAspect="1"/>
-          </p:cNvPicPr>
-          <p:nvPr userDrawn="1"/>
-        </p:nvPicPr>
-        <p:blipFill>
-          <a:blip r:embed="rId2">
-            <a:extLst>
-              <a:ext uri="{28A0092B-C50C-407E-A947-70E740481C1C}">
-                <a14:useLocalDpi xmlns:a14="http://schemas.microsoft.com/office/drawing/2010/main" val="0"/>
-              </a:ext>
-            </a:extLst>
-          </a:blip>
-          <a:srcRect/>
-          <a:stretch/>
-        </p:blipFill>
-        <p:spPr>
-          <a:xfrm>
-            <a:off x="10300050" y="223264"/>
-            <a:ext cx="1679544" cy="655003"/>
-          </a:xfrm>
-          <a:prstGeom prst="rect">
-            <a:avLst/>
-          </a:prstGeom>
-        </p:spPr>
-      </p:pic>
     </p:spTree>
     <p:extLst>
       <p:ext uri="{BB962C8B-B14F-4D97-AF65-F5344CB8AC3E}">
@@ -7295,80 +7128,6 @@
       </p:sp>
       <p:sp>
         <p:nvSpPr>
-          <p:cNvPr id="53" name="Rectangle Bottom Copyright">
-            <a:extLst>
-              <a:ext uri="{FF2B5EF4-FFF2-40B4-BE49-F238E27FC236}">
-                <a16:creationId xmlns:a16="http://schemas.microsoft.com/office/drawing/2014/main" id="{B07FB7FB-DA6C-4F5D-B068-357F0FCE27D8}"/>
-              </a:ext>
-            </a:extLst>
-          </p:cNvPr>
-          <p:cNvSpPr/>
-          <p:nvPr userDrawn="1"/>
-        </p:nvSpPr>
-        <p:spPr>
-          <a:xfrm>
-            <a:off x="111000" y="6454758"/>
-            <a:ext cx="11970000" cy="258449"/>
-          </a:xfrm>
-          <a:prstGeom prst="rect">
-            <a:avLst/>
-          </a:prstGeom>
-        </p:spPr>
-        <p:txBody>
-          <a:bodyPr wrap="square">
-            <a:noAutofit/>
-          </a:bodyPr>
-          <a:lstStyle/>
-          <a:p>
-            <a:pPr algn="ctr">
-              <a:lnSpc>
-                <a:spcPct val="100000"/>
-              </a:lnSpc>
-              <a:spcBef>
-                <a:spcPts val="0"/>
-              </a:spcBef>
-              <a:spcAft>
-                <a:spcPts val="0"/>
-              </a:spcAft>
-            </a:pPr>
-            <a:r>
-              <a:rPr lang="bg-BG" sz="1600" noProof="0" dirty="0">
-                <a:solidFill>
-                  <a:schemeClr val="bg2"/>
-                </a:solidFill>
-                <a:effectLst/>
-                <a:latin typeface="Calibri" panose="020F0502020204030204" pitchFamily="34" charset="0"/>
-                <a:ea typeface="Calibri" panose="020F0502020204030204" pitchFamily="34" charset="0"/>
-                <a:cs typeface="Arial" panose="020B0604020202020204" pitchFamily="34" charset="0"/>
-              </a:rPr>
-              <a:t>Работна група "Образование" @ БАСКОМ – свободно учебно съдържание (лиценз </a:t>
-            </a:r>
-            <a:r>
-              <a:rPr lang="en-US" sz="1600" noProof="0" dirty="0">
-                <a:solidFill>
-                  <a:schemeClr val="bg2"/>
-                </a:solidFill>
-                <a:effectLst/>
-                <a:latin typeface="Calibri" panose="020F0502020204030204" pitchFamily="34" charset="0"/>
-                <a:ea typeface="Calibri" panose="020F0502020204030204" pitchFamily="34" charset="0"/>
-                <a:cs typeface="Arial" panose="020B0604020202020204" pitchFamily="34" charset="0"/>
-              </a:rPr>
-              <a:t>CC-BY-SA)</a:t>
-            </a:r>
-            <a:endParaRPr lang="en-US" sz="2400" noProof="0" dirty="0">
-              <a:solidFill>
-                <a:schemeClr val="bg2"/>
-              </a:solidFill>
-              <a:effectLst/>
-              <a:latin typeface="Calibri" panose="020F0502020204030204" pitchFamily="34" charset="0"/>
-              <a:ea typeface="Calibri" panose="020F0502020204030204" pitchFamily="34" charset="0"/>
-              <a:cs typeface="Arial" panose="020B0604020202020204" pitchFamily="34" charset="0"/>
-            </a:endParaRPr>
-          </a:p>
-        </p:txBody>
-      </p:sp>
-      <p:sp>
-        <p:nvSpPr>
           <p:cNvPr id="19" name="Slide Title">
             <a:extLst>
               <a:ext uri="{FF2B5EF4-FFF2-40B4-BE49-F238E27FC236}">
@@ -7465,41 +7224,6 @@
           </a:p>
         </p:txBody>
       </p:sp>
-      <p:pic>
-        <p:nvPicPr>
-          <p:cNvPr id="4" name="Logo">
-            <a:extLst>
-              <a:ext uri="{FF2B5EF4-FFF2-40B4-BE49-F238E27FC236}">
-                <a16:creationId xmlns:a16="http://schemas.microsoft.com/office/drawing/2014/main" id="{FBCFE400-BCCF-4BD9-85A4-8CE259E50184}"/>
-              </a:ext>
-            </a:extLst>
-          </p:cNvPr>
-          <p:cNvPicPr>
-            <a:picLocks noChangeAspect="1"/>
-          </p:cNvPicPr>
-          <p:nvPr userDrawn="1"/>
-        </p:nvPicPr>
-        <p:blipFill>
-          <a:blip r:embed="rId2">
-            <a:extLst>
-              <a:ext uri="{28A0092B-C50C-407E-A947-70E740481C1C}">
-                <a14:useLocalDpi xmlns:a14="http://schemas.microsoft.com/office/drawing/2010/main" val="0"/>
-              </a:ext>
-            </a:extLst>
-          </a:blip>
-          <a:srcRect/>
-          <a:stretch/>
-        </p:blipFill>
-        <p:spPr>
-          <a:xfrm>
-            <a:off x="10300050" y="223264"/>
-            <a:ext cx="1678149" cy="658240"/>
-          </a:xfrm>
-          <a:prstGeom prst="rect">
-            <a:avLst/>
-          </a:prstGeom>
-        </p:spPr>
-      </p:pic>
     </p:spTree>
     <p:extLst>
       <p:ext uri="{BB962C8B-B14F-4D97-AF65-F5344CB8AC3E}">
@@ -7978,7 +7702,7 @@
         <p:spPr>
           <a:xfrm>
             <a:off x="190406" y="100750"/>
-            <a:ext cx="9910594" cy="882654"/>
+            <a:ext cx="11818092" cy="882654"/>
           </a:xfrm>
         </p:spPr>
         <p:txBody>
@@ -8000,41 +7724,6 @@
           </a:p>
         </p:txBody>
       </p:sp>
-      <p:pic>
-        <p:nvPicPr>
-          <p:cNvPr id="16" name="Logo">
-            <a:extLst>
-              <a:ext uri="{FF2B5EF4-FFF2-40B4-BE49-F238E27FC236}">
-                <a16:creationId xmlns:a16="http://schemas.microsoft.com/office/drawing/2014/main" id="{954435F2-78CA-429B-832D-F404B072034E}"/>
-              </a:ext>
-            </a:extLst>
-          </p:cNvPr>
-          <p:cNvPicPr>
-            <a:picLocks noChangeAspect="1"/>
-          </p:cNvPicPr>
-          <p:nvPr userDrawn="1"/>
-        </p:nvPicPr>
-        <p:blipFill>
-          <a:blip r:embed="rId2">
-            <a:extLst>
-              <a:ext uri="{28A0092B-C50C-407E-A947-70E740481C1C}">
-                <a14:useLocalDpi xmlns:a14="http://schemas.microsoft.com/office/drawing/2010/main" val="0"/>
-              </a:ext>
-            </a:extLst>
-          </a:blip>
-          <a:srcRect/>
-          <a:stretch/>
-        </p:blipFill>
-        <p:spPr>
-          <a:xfrm>
-            <a:off x="10300050" y="223264"/>
-            <a:ext cx="1679544" cy="655003"/>
-          </a:xfrm>
-          <a:prstGeom prst="rect">
-            <a:avLst/>
-          </a:prstGeom>
-        </p:spPr>
-      </p:pic>
     </p:spTree>
     <p:extLst>
       <p:ext uri="{BB962C8B-B14F-4D97-AF65-F5344CB8AC3E}">
@@ -8327,41 +8016,6 @@
           </a:p>
         </p:txBody>
       </p:sp>
-      <p:pic>
-        <p:nvPicPr>
-          <p:cNvPr id="4" name="Logo">
-            <a:extLst>
-              <a:ext uri="{FF2B5EF4-FFF2-40B4-BE49-F238E27FC236}">
-                <a16:creationId xmlns:a16="http://schemas.microsoft.com/office/drawing/2014/main" id="{CA239F96-2EB9-484D-B989-D8B9BD925F77}"/>
-              </a:ext>
-            </a:extLst>
-          </p:cNvPr>
-          <p:cNvPicPr>
-            <a:picLocks noChangeAspect="1"/>
-          </p:cNvPicPr>
-          <p:nvPr userDrawn="1"/>
-        </p:nvPicPr>
-        <p:blipFill>
-          <a:blip r:embed="rId3">
-            <a:extLst>
-              <a:ext uri="{28A0092B-C50C-407E-A947-70E740481C1C}">
-                <a14:useLocalDpi xmlns:a14="http://schemas.microsoft.com/office/drawing/2010/main" val="0"/>
-              </a:ext>
-            </a:extLst>
-          </a:blip>
-          <a:srcRect/>
-          <a:stretch/>
-        </p:blipFill>
-        <p:spPr>
-          <a:xfrm>
-            <a:off x="10300050" y="223264"/>
-            <a:ext cx="1678149" cy="658240"/>
-          </a:xfrm>
-          <a:prstGeom prst="rect">
-            <a:avLst/>
-          </a:prstGeom>
-        </p:spPr>
-      </p:pic>
       <p:sp>
         <p:nvSpPr>
           <p:cNvPr id="8" name="Slide Title">
@@ -8381,7 +8035,7 @@
         <p:spPr>
           <a:xfrm>
             <a:off x="1296956" y="100750"/>
-            <a:ext cx="8804044" cy="882654"/>
+            <a:ext cx="10698278" cy="882654"/>
           </a:xfrm>
         </p:spPr>
         <p:txBody>
@@ -8697,41 +8351,6 @@
           </a:p>
         </p:txBody>
       </p:sp>
-      <p:pic>
-        <p:nvPicPr>
-          <p:cNvPr id="4" name="Logo">
-            <a:extLst>
-              <a:ext uri="{FF2B5EF4-FFF2-40B4-BE49-F238E27FC236}">
-                <a16:creationId xmlns:a16="http://schemas.microsoft.com/office/drawing/2014/main" id="{EBF07FD9-1F25-4348-8551-DDB599FEFC5C}"/>
-              </a:ext>
-            </a:extLst>
-          </p:cNvPr>
-          <p:cNvPicPr>
-            <a:picLocks noChangeAspect="1"/>
-          </p:cNvPicPr>
-          <p:nvPr userDrawn="1"/>
-        </p:nvPicPr>
-        <p:blipFill>
-          <a:blip r:embed="rId3">
-            <a:extLst>
-              <a:ext uri="{28A0092B-C50C-407E-A947-70E740481C1C}">
-                <a14:useLocalDpi xmlns:a14="http://schemas.microsoft.com/office/drawing/2010/main" val="0"/>
-              </a:ext>
-            </a:extLst>
-          </a:blip>
-          <a:srcRect/>
-          <a:stretch/>
-        </p:blipFill>
-        <p:spPr>
-          <a:xfrm>
-            <a:off x="10300050" y="223264"/>
-            <a:ext cx="1678149" cy="658240"/>
-          </a:xfrm>
-          <a:prstGeom prst="rect">
-            <a:avLst/>
-          </a:prstGeom>
-        </p:spPr>
-      </p:pic>
       <p:sp>
         <p:nvSpPr>
           <p:cNvPr id="13" name="Slide Title">
@@ -8751,7 +8370,7 @@
         <p:spPr>
           <a:xfrm>
             <a:off x="1296956" y="100750"/>
-            <a:ext cx="8804043" cy="882654"/>
+            <a:ext cx="10698280" cy="882654"/>
           </a:xfrm>
         </p:spPr>
         <p:txBody>
@@ -9265,41 +8884,6 @@
           </a:p>
         </p:txBody>
       </p:sp>
-      <p:pic>
-        <p:nvPicPr>
-          <p:cNvPr id="3" name="Logo">
-            <a:extLst>
-              <a:ext uri="{FF2B5EF4-FFF2-40B4-BE49-F238E27FC236}">
-                <a16:creationId xmlns:a16="http://schemas.microsoft.com/office/drawing/2014/main" id="{0AB3D1A4-951E-41DB-B3F7-361036021420}"/>
-              </a:ext>
-            </a:extLst>
-          </p:cNvPr>
-          <p:cNvPicPr>
-            <a:picLocks noChangeAspect="1"/>
-          </p:cNvPicPr>
-          <p:nvPr userDrawn="1"/>
-        </p:nvPicPr>
-        <p:blipFill>
-          <a:blip r:embed="rId2">
-            <a:extLst>
-              <a:ext uri="{28A0092B-C50C-407E-A947-70E740481C1C}">
-                <a14:useLocalDpi xmlns:a14="http://schemas.microsoft.com/office/drawing/2010/main" val="0"/>
-              </a:ext>
-            </a:extLst>
-          </a:blip>
-          <a:srcRect/>
-          <a:stretch/>
-        </p:blipFill>
-        <p:spPr>
-          <a:xfrm>
-            <a:off x="10300050" y="223264"/>
-            <a:ext cx="1679544" cy="655003"/>
-          </a:xfrm>
-          <a:prstGeom prst="rect">
-            <a:avLst/>
-          </a:prstGeom>
-        </p:spPr>
-      </p:pic>
       <p:sp>
         <p:nvSpPr>
           <p:cNvPr id="12" name="Slide Body Text">
@@ -9505,8 +9089,8 @@
         </p:nvSpPr>
         <p:spPr>
           <a:xfrm>
-            <a:off x="190406" y="100750"/>
-            <a:ext cx="9892438" cy="882654"/>
+            <a:off x="190405" y="100750"/>
+            <a:ext cx="11804831" cy="882654"/>
           </a:xfrm>
         </p:spPr>
         <p:txBody>
@@ -10003,7 +9587,7 @@
         <p:spPr>
           <a:xfrm>
             <a:off x="190406" y="100750"/>
-            <a:ext cx="9892438" cy="882654"/>
+            <a:ext cx="11787966" cy="882654"/>
           </a:xfrm>
         </p:spPr>
         <p:txBody>
@@ -10025,41 +9609,6 @@
           </a:p>
         </p:txBody>
       </p:sp>
-      <p:pic>
-        <p:nvPicPr>
-          <p:cNvPr id="3" name="Logo">
-            <a:extLst>
-              <a:ext uri="{FF2B5EF4-FFF2-40B4-BE49-F238E27FC236}">
-                <a16:creationId xmlns:a16="http://schemas.microsoft.com/office/drawing/2014/main" id="{9AC98531-B009-4565-9094-DBADE95F0340}"/>
-              </a:ext>
-            </a:extLst>
-          </p:cNvPr>
-          <p:cNvPicPr>
-            <a:picLocks noChangeAspect="1"/>
-          </p:cNvPicPr>
-          <p:nvPr userDrawn="1"/>
-        </p:nvPicPr>
-        <p:blipFill>
-          <a:blip r:embed="rId2">
-            <a:extLst>
-              <a:ext uri="{28A0092B-C50C-407E-A947-70E740481C1C}">
-                <a14:useLocalDpi xmlns:a14="http://schemas.microsoft.com/office/drawing/2010/main" val="0"/>
-              </a:ext>
-            </a:extLst>
-          </a:blip>
-          <a:srcRect/>
-          <a:stretch/>
-        </p:blipFill>
-        <p:spPr>
-          <a:xfrm>
-            <a:off x="10300050" y="223264"/>
-            <a:ext cx="1679544" cy="655003"/>
-          </a:xfrm>
-          <a:prstGeom prst="rect">
-            <a:avLst/>
-          </a:prstGeom>
-        </p:spPr>
-      </p:pic>
     </p:spTree>
     <p:extLst>
       <p:ext uri="{BB962C8B-B14F-4D97-AF65-F5344CB8AC3E}">
@@ -10106,35 +9655,6 @@
           <a:chExt cx="0" cy="0"/>
         </a:xfrm>
       </p:grpSpPr>
-      <p:pic>
-        <p:nvPicPr>
-          <p:cNvPr id="4" name="Picture Background" descr="SoftUni Background">
-            <a:extLst>
-              <a:ext uri="{FF2B5EF4-FFF2-40B4-BE49-F238E27FC236}">
-                <a16:creationId xmlns:a16="http://schemas.microsoft.com/office/drawing/2014/main" id="{5BE90A63-DDD9-4B3B-A234-DF69B9BC812F}"/>
-              </a:ext>
-            </a:extLst>
-          </p:cNvPr>
-          <p:cNvPicPr>
-            <a:picLocks noChangeAspect="1"/>
-          </p:cNvPicPr>
-          <p:nvPr userDrawn="1"/>
-        </p:nvPicPr>
-        <p:blipFill rotWithShape="1">
-          <a:blip r:embed="rId14"/>
-          <a:srcRect b="1672"/>
-          <a:stretch/>
-        </p:blipFill>
-        <p:spPr>
-          <a:xfrm>
-            <a:off x="0" y="1"/>
-            <a:ext cx="12192000" cy="6857999"/>
-          </a:xfrm>
-          <a:prstGeom prst="rect">
-            <a:avLst/>
-          </a:prstGeom>
-        </p:spPr>
-      </p:pic>
       <p:sp>
         <p:nvSpPr>
           <p:cNvPr id="11" name="Slide Body Text">
@@ -10614,7 +10134,7 @@
               </a:ext>
             </a:extLst>
           </a:blip>
-          <a:srcRect t="4965" b="4965"/>
+          <a:srcRect t="3947" b="3947"/>
           <a:stretch>
             <a:fillRect/>
           </a:stretch>
@@ -10644,7 +10164,7 @@
           <a:p>
             <a:r>
               <a:rPr lang="bg-BG" dirty="0"/>
-              <a:t>Работна група "Образование"</a:t>
+              <a:t>Работна група "Образование по програмиране и ИТ"</a:t>
             </a:r>
             <a:endParaRPr lang="en-US" dirty="0"/>
           </a:p>
@@ -10675,7 +10195,7 @@
           <a:p>
             <a:r>
               <a:rPr lang="bg-BG" dirty="0"/>
-              <a:t>Работна група "Образование"</a:t>
+              <a:t>Работна група "Образование по програмиране и ИТ"</a:t>
             </a:r>
           </a:p>
           <a:p>
@@ -10710,12 +10230,127 @@
           <a:p>
             <a:r>
               <a:rPr lang="bg-BG" dirty="0"/>
-              <a:t>Добре дошли в БАСКОМ</a:t>
+              <a:t>Свободни учебни ресурси</a:t>
             </a:r>
             <a:endParaRPr lang="en-US" dirty="0"/>
           </a:p>
         </p:txBody>
       </p:sp>
+      <p:sp>
+        <p:nvSpPr>
+          <p:cNvPr id="52" name="Text Placeholder 51">
+            <a:extLst>
+              <a:ext uri="{FF2B5EF4-FFF2-40B4-BE49-F238E27FC236}">
+                <a16:creationId xmlns:a16="http://schemas.microsoft.com/office/drawing/2014/main" id="{8DE66249-1FBD-414B-AF0D-550F7312AF7D}"/>
+              </a:ext>
+            </a:extLst>
+          </p:cNvPr>
+          <p:cNvSpPr>
+            <a:spLocks noGrp="1"/>
+          </p:cNvSpPr>
+          <p:nvPr>
+            <p:ph type="body" sz="quarter" idx="20"/>
+          </p:nvPr>
+        </p:nvSpPr>
+        <p:spPr/>
+        <p:txBody>
+          <a:bodyPr/>
+          <a:lstStyle/>
+          <a:p>
+            <a:r>
+              <a:rPr lang="en-US" dirty="0">
+                <a:hlinkClick r:id="rId4"/>
+              </a:rPr>
+              <a:t>https://github.com/BG-IT-Edu</a:t>
+            </a:r>
+            <a:endParaRPr lang="en-US" dirty="0"/>
+          </a:p>
+        </p:txBody>
+      </p:sp>
+      <p:pic>
+        <p:nvPicPr>
+          <p:cNvPr id="5" name="License">
+            <a:hlinkClick r:id="rId5"/>
+            <a:extLst>
+              <a:ext uri="{FF2B5EF4-FFF2-40B4-BE49-F238E27FC236}">
+                <a16:creationId xmlns:a16="http://schemas.microsoft.com/office/drawing/2014/main" id="{EE577B17-FF45-4B6F-9B15-75FCCBB1E5D2}"/>
+              </a:ext>
+            </a:extLst>
+          </p:cNvPr>
+          <p:cNvPicPr>
+            <a:picLocks noChangeAspect="1" noChangeArrowheads="1"/>
+          </p:cNvPicPr>
+          <p:nvPr/>
+        </p:nvPicPr>
+        <p:blipFill>
+          <a:blip r:embed="rId6">
+            <a:extLst>
+              <a:ext uri="{28A0092B-C50C-407E-A947-70E740481C1C}">
+                <a14:useLocalDpi xmlns:a14="http://schemas.microsoft.com/office/drawing/2010/main" val="0"/>
+              </a:ext>
+            </a:extLst>
+          </a:blip>
+          <a:srcRect/>
+          <a:stretch>
+            <a:fillRect/>
+          </a:stretch>
+        </p:blipFill>
+        <p:spPr bwMode="auto">
+          <a:xfrm>
+            <a:off x="605079" y="4279095"/>
+            <a:ext cx="2057382" cy="724905"/>
+          </a:xfrm>
+          <a:prstGeom prst="rect">
+            <a:avLst/>
+          </a:prstGeom>
+          <a:noFill/>
+          <a:extLst>
+            <a:ext uri="{909E8E84-426E-40DD-AFC4-6F175D3DCCD1}">
+              <a14:hiddenFill xmlns:a14="http://schemas.microsoft.com/office/drawing/2010/main">
+                <a:solidFill>
+                  <a:srgbClr val="FFFFFF"/>
+                </a:solidFill>
+              </a14:hiddenFill>
+            </a:ext>
+          </a:extLst>
+        </p:spPr>
+      </p:pic>
+      <p:pic>
+        <p:nvPicPr>
+          <p:cNvPr id="7" name="Logo">
+            <a:hlinkClick r:id="rId7"/>
+            <a:extLst>
+              <a:ext uri="{FF2B5EF4-FFF2-40B4-BE49-F238E27FC236}">
+                <a16:creationId xmlns:a16="http://schemas.microsoft.com/office/drawing/2014/main" id="{66137DAA-7C99-447B-BEC6-9F48CADDE939}"/>
+              </a:ext>
+            </a:extLst>
+          </p:cNvPr>
+          <p:cNvPicPr>
+            <a:picLocks noChangeAspect="1"/>
+          </p:cNvPicPr>
+          <p:nvPr/>
+        </p:nvPicPr>
+        <p:blipFill>
+          <a:blip r:embed="rId8">
+            <a:extLst>
+              <a:ext uri="{28A0092B-C50C-407E-A947-70E740481C1C}">
+                <a14:useLocalDpi xmlns:a14="http://schemas.microsoft.com/office/drawing/2010/main" val="0"/>
+              </a:ext>
+            </a:extLst>
+          </a:blip>
+          <a:srcRect/>
+          <a:stretch/>
+        </p:blipFill>
+        <p:spPr>
+          <a:xfrm>
+            <a:off x="3077484" y="4279095"/>
+            <a:ext cx="1848107" cy="724905"/>
+          </a:xfrm>
+          <a:prstGeom prst="rect">
+            <a:avLst/>
+          </a:prstGeom>
+        </p:spPr>
+      </p:pic>
     </p:spTree>
     <p:extLst>
       <p:ext uri="{BB962C8B-B14F-4D97-AF65-F5344CB8AC3E}">
@@ -15258,10 +14893,20 @@
             <a:r>
               <a:rPr lang="bg-BG" b="1" dirty="0">
                 <a:solidFill>
+                  <a:schemeClr val="bg1">
+                    <a:lumMod val="75000"/>
+                  </a:schemeClr>
+                </a:solidFill>
+              </a:rPr>
+              <a:t>Редът на добавяне</a:t>
+            </a:r>
+            <a:r>
+              <a:rPr lang="bg-BG" b="1" dirty="0">
+                <a:solidFill>
                   <a:schemeClr val="bg1"/>
                 </a:solidFill>
               </a:rPr>
-              <a:t>Редът на добавяне </a:t>
+              <a:t> </a:t>
             </a:r>
             <a:r>
               <a:rPr lang="bg-BG" dirty="0"/>
@@ -15270,14 +14915,18 @@
             <a:r>
               <a:rPr lang="bg-BG" b="1" dirty="0">
                 <a:solidFill>
-                  <a:schemeClr val="bg1"/>
+                  <a:schemeClr val="bg1">
+                    <a:lumMod val="75000"/>
+                  </a:schemeClr>
                 </a:solidFill>
               </a:rPr>
               <a:t>няма повторения</a:t>
             </a:r>
             <a:endParaRPr lang="en-US" b="1" dirty="0">
               <a:solidFill>
-                <a:schemeClr val="bg1"/>
+                <a:schemeClr val="bg1">
+                  <a:lumMod val="75000"/>
+                </a:schemeClr>
               </a:solidFill>
             </a:endParaRPr>
           </a:p>
@@ -15438,7 +15087,9 @@
             <a:r>
               <a:rPr lang="en-US" sz="2400" dirty="0">
                 <a:solidFill>
-                  <a:schemeClr val="bg1"/>
+                  <a:schemeClr val="bg1">
+                    <a:lumMod val="75000"/>
+                  </a:schemeClr>
                 </a:solidFill>
               </a:rPr>
               <a:t>new Set()</a:t>
@@ -15464,7 +15115,9 @@
             <a:r>
               <a:rPr lang="en-US" sz="2400" dirty="0">
                 <a:solidFill>
-                  <a:schemeClr val="bg1"/>
+                  <a:schemeClr val="bg1">
+                    <a:lumMod val="75000"/>
+                  </a:schemeClr>
                 </a:solidFill>
               </a:rPr>
               <a:t>add</a:t>
@@ -15480,7 +15133,9 @@
             <a:r>
               <a:rPr lang="en-US" sz="2400" dirty="0">
                 <a:solidFill>
-                  <a:schemeClr val="bg1"/>
+                  <a:schemeClr val="bg1">
+                    <a:lumMod val="75000"/>
+                  </a:schemeClr>
                 </a:solidFill>
               </a:rPr>
               <a:t>add</a:t>
@@ -15506,7 +15161,9 @@
             <a:r>
               <a:rPr lang="en-US" sz="2400" dirty="0">
                 <a:solidFill>
-                  <a:schemeClr val="bg1"/>
+                  <a:schemeClr val="bg1">
+                    <a:lumMod val="75000"/>
+                  </a:schemeClr>
                 </a:solidFill>
               </a:rPr>
               <a:t>add</a:t>
@@ -15522,7 +15179,9 @@
             <a:r>
               <a:rPr lang="en-US" sz="2400" dirty="0">
                 <a:solidFill>
-                  <a:schemeClr val="bg1"/>
+                  <a:schemeClr val="bg1">
+                    <a:lumMod val="75000"/>
+                  </a:schemeClr>
                 </a:solidFill>
               </a:rPr>
               <a:t>add</a:t>
@@ -15548,7 +15207,9 @@
             <a:r>
               <a:rPr lang="en-US" sz="2400" dirty="0">
                 <a:solidFill>
-                  <a:schemeClr val="bg1"/>
+                  <a:schemeClr val="bg1">
+                    <a:lumMod val="75000"/>
+                  </a:schemeClr>
                 </a:solidFill>
               </a:rPr>
               <a:t>has</a:t>
@@ -15582,7 +15243,9 @@
             <a:r>
               <a:rPr lang="en-US" sz="2400" dirty="0">
                 <a:solidFill>
-                  <a:schemeClr val="bg1"/>
+                  <a:schemeClr val="bg1">
+                    <a:lumMod val="75000"/>
+                  </a:schemeClr>
                 </a:solidFill>
               </a:rPr>
               <a:t>add</a:t>
@@ -15616,7 +15279,9 @@
             <a:r>
               <a:rPr lang="en-US" sz="2400" dirty="0">
                 <a:solidFill>
-                  <a:schemeClr val="bg1"/>
+                  <a:schemeClr val="bg1">
+                    <a:lumMod val="75000"/>
+                  </a:schemeClr>
                 </a:solidFill>
               </a:rPr>
               <a:t>delete</a:t>
@@ -15642,7 +15307,9 @@
             <a:r>
               <a:rPr lang="en-US" sz="2400" dirty="0">
                 <a:solidFill>
-                  <a:schemeClr val="bg1"/>
+                  <a:schemeClr val="bg1">
+                    <a:lumMod val="75000"/>
+                  </a:schemeClr>
                 </a:solidFill>
               </a:rPr>
               <a:t>for</a:t>
@@ -15662,7 +15329,9 @@
             <a:r>
               <a:rPr lang="en-US" sz="2400" dirty="0">
                 <a:solidFill>
-                  <a:schemeClr val="bg1"/>
+                  <a:schemeClr val="bg1">
+                    <a:lumMod val="75000"/>
+                  </a:schemeClr>
                 </a:solidFill>
               </a:rPr>
               <a:t>of</a:t>
@@ -16209,7 +15878,9 @@
             <a:r>
               <a:rPr lang="bg-BG" dirty="0">
                 <a:solidFill>
-                  <a:schemeClr val="accent1"/>
+                  <a:schemeClr val="bg1">
+                    <a:lumMod val="75000"/>
+                  </a:schemeClr>
                 </a:solidFill>
               </a:rPr>
               <a:t>уникалните думи</a:t>
@@ -16217,7 +15888,7 @@
             <a:r>
               <a:rPr lang="en-US" dirty="0">
                 <a:solidFill>
-                  <a:schemeClr val="accent1">
+                  <a:schemeClr val="bg1">
                     <a:lumMod val="75000"/>
                   </a:schemeClr>
                 </a:solidFill>
@@ -16243,7 +15914,9 @@
             <a:r>
               <a:rPr lang="bg-BG" b="1" dirty="0">
                 <a:solidFill>
-                  <a:schemeClr val="accent1"/>
+                  <a:schemeClr val="bg1">
+                    <a:lumMod val="75000"/>
+                  </a:schemeClr>
                 </a:solidFill>
               </a:rPr>
               <a:t>букви</a:t>
@@ -16255,7 +15928,9 @@
             <a:r>
               <a:rPr lang="bg-BG" b="1" dirty="0">
                 <a:solidFill>
-                  <a:schemeClr val="accent1"/>
+                  <a:schemeClr val="bg1">
+                    <a:lumMod val="75000"/>
+                  </a:schemeClr>
                 </a:solidFill>
               </a:rPr>
               <a:t>цифри</a:t>
@@ -16275,7 +15950,9 @@
             <a:r>
               <a:rPr lang="en-US" b="1" dirty="0">
                 <a:solidFill>
-                  <a:schemeClr val="accent1"/>
+                  <a:schemeClr val="bg1">
+                    <a:lumMod val="75000"/>
+                  </a:schemeClr>
                 </a:solidFill>
               </a:rPr>
               <a:t>_</a:t>
@@ -16286,7 +15963,9 @@
             <a:r>
               <a:rPr lang="bg-BG" b="1" dirty="0">
                 <a:solidFill>
-                  <a:schemeClr val="accent1"/>
+                  <a:schemeClr val="bg1">
+                    <a:lumMod val="75000"/>
+                  </a:schemeClr>
                 </a:solidFill>
               </a:rPr>
               <a:t>Вход</a:t>
@@ -16298,14 +15977,18 @@
             <a:r>
               <a:rPr lang="bg-BG" b="1" dirty="0">
                 <a:solidFill>
-                  <a:schemeClr val="accent1"/>
+                  <a:schemeClr val="bg1">
+                    <a:lumMod val="75000"/>
+                  </a:schemeClr>
                 </a:solidFill>
               </a:rPr>
               <a:t>масив от стрингове</a:t>
             </a:r>
             <a:endParaRPr lang="en-US" b="1" dirty="0">
               <a:solidFill>
-                <a:schemeClr val="accent1"/>
+                <a:schemeClr val="bg1">
+                  <a:lumMod val="75000"/>
+                </a:schemeClr>
               </a:solidFill>
             </a:endParaRPr>
           </a:p>
@@ -16314,7 +15997,9 @@
             <a:r>
               <a:rPr lang="bg-BG" b="1" dirty="0">
                 <a:solidFill>
-                  <a:schemeClr val="accent1"/>
+                  <a:schemeClr val="bg1">
+                    <a:lumMod val="75000"/>
+                  </a:schemeClr>
                 </a:solidFill>
               </a:rPr>
               <a:t>Изход</a:t>
@@ -16330,12 +16015,20 @@
             <a:r>
               <a:rPr lang="bg-BG" b="1" dirty="0">
                 <a:solidFill>
-                  <a:schemeClr val="accent1"/>
+                  <a:schemeClr val="bg1">
+                    <a:lumMod val="75000"/>
+                  </a:schemeClr>
                 </a:solidFill>
               </a:rPr>
               <a:t>в реда, в който се срещат</a:t>
             </a:r>
-            <a:endParaRPr lang="en-US" dirty="0"/>
+            <a:endParaRPr lang="en-US" dirty="0">
+              <a:solidFill>
+                <a:schemeClr val="bg1">
+                  <a:lumMod val="75000"/>
+                </a:schemeClr>
+              </a:solidFill>
+            </a:endParaRPr>
           </a:p>
         </p:txBody>
       </p:sp>
@@ -17058,7 +16751,9 @@
             <a:r>
               <a:rPr lang="en-US" sz="2400" noProof="1">
                 <a:solidFill>
-                  <a:schemeClr val="bg1"/>
+                  <a:schemeClr val="bg1">
+                    <a:lumMod val="75000"/>
+                  </a:schemeClr>
                 </a:solidFill>
               </a:rPr>
               <a:t>/</a:t>
@@ -17070,7 +16765,9 @@
             <a:r>
               <a:rPr lang="en-US" sz="2400" noProof="1">
                 <a:solidFill>
-                  <a:schemeClr val="bg1"/>
+                  <a:schemeClr val="bg1">
+                    <a:lumMod val="75000"/>
+                  </a:schemeClr>
                 </a:solidFill>
               </a:rPr>
               <a:t>/</a:t>
@@ -17099,7 +16796,9 @@
             <a:r>
               <a:rPr lang="en-US" sz="2400" noProof="1">
                 <a:solidFill>
-                  <a:schemeClr val="bg1"/>
+                  <a:schemeClr val="bg1">
+                    <a:lumMod val="75000"/>
+                  </a:schemeClr>
                 </a:solidFill>
               </a:rPr>
               <a:t>new Set()</a:t>
@@ -17128,7 +16827,9 @@
             <a:r>
               <a:rPr lang="en-US" sz="2400" noProof="1">
                 <a:solidFill>
-                  <a:schemeClr val="bg1"/>
+                  <a:schemeClr val="bg1">
+                    <a:lumMod val="75000"/>
+                  </a:schemeClr>
                 </a:solidFill>
               </a:rPr>
               <a:t>for</a:t>
@@ -17140,7 +16841,9 @@
             <a:r>
               <a:rPr lang="en-US" sz="2400" noProof="1">
                 <a:solidFill>
-                  <a:schemeClr val="bg1"/>
+                  <a:schemeClr val="bg1">
+                    <a:lumMod val="75000"/>
+                  </a:schemeClr>
                 </a:solidFill>
               </a:rPr>
               <a:t>of</a:t>
@@ -17169,7 +16872,9 @@
             <a:r>
               <a:rPr lang="en-US" sz="2400" noProof="1">
                 <a:solidFill>
-                  <a:schemeClr val="bg1"/>
+                  <a:schemeClr val="bg1">
+                    <a:lumMod val="75000"/>
+                  </a:schemeClr>
                 </a:solidFill>
               </a:rPr>
               <a:t>match</a:t>
@@ -17198,7 +16903,9 @@
             <a:r>
               <a:rPr lang="en-US" sz="2400" noProof="1">
                 <a:solidFill>
-                  <a:schemeClr val="bg1"/>
+                  <a:schemeClr val="bg1">
+                    <a:lumMod val="75000"/>
+                  </a:schemeClr>
                 </a:solidFill>
               </a:rPr>
               <a:t>forEach</a:t>
@@ -17210,7 +16917,9 @@
             <a:r>
               <a:rPr lang="en-US" sz="2400" noProof="1">
                 <a:solidFill>
-                  <a:schemeClr val="bg1"/>
+                  <a:schemeClr val="bg1">
+                    <a:lumMod val="75000"/>
+                  </a:schemeClr>
                 </a:solidFill>
               </a:rPr>
               <a:t>add</a:t>
@@ -17222,7 +16931,9 @@
             <a:r>
               <a:rPr lang="en-US" sz="2400" noProof="1">
                 <a:solidFill>
-                  <a:schemeClr val="bg1"/>
+                  <a:schemeClr val="bg1">
+                    <a:lumMod val="75000"/>
+                  </a:schemeClr>
                 </a:solidFill>
               </a:rPr>
               <a:t>toLowerCase</a:t>
@@ -17288,7 +16999,9 @@
             <a:r>
               <a:rPr lang="en-US" sz="2400" noProof="1">
                 <a:solidFill>
-                  <a:schemeClr val="bg1"/>
+                  <a:schemeClr val="bg1">
+                    <a:lumMod val="75000"/>
+                  </a:schemeClr>
                 </a:solidFill>
               </a:rPr>
               <a:t>values()</a:t>
@@ -17300,7 +17013,9 @@
             <a:r>
               <a:rPr lang="en-US" sz="2400" noProof="1">
                 <a:solidFill>
-                  <a:schemeClr val="bg1"/>
+                  <a:schemeClr val="bg1">
+                    <a:lumMod val="75000"/>
+                  </a:schemeClr>
                 </a:solidFill>
               </a:rPr>
               <a:t>join</a:t>
@@ -17563,26 +17278,12 @@
             <a:r>
               <a:rPr lang="en-US" sz="2400" dirty="0">
                 <a:solidFill>
-                  <a:schemeClr val="bg1"/>
+                  <a:schemeClr val="bg1">
+                    <a:lumMod val="75000"/>
+                  </a:schemeClr>
                 </a:solidFill>
               </a:rPr>
-              <a:t>'JS and Node.js</a:t>
-            </a:r>
-            <a:r>
-              <a:rPr lang="en-US" sz="2400" dirty="0">
-                <a:solidFill>
-                  <a:schemeClr val="accent1"/>
-                </a:solidFill>
-              </a:rPr>
-              <a:t>',</a:t>
-            </a:r>
-            <a:r>
-              <a:rPr lang="en-US" sz="2400" dirty="0">
-                <a:solidFill>
-                  <a:schemeClr val="bg1"/>
-                </a:solidFill>
-              </a:rPr>
-              <a:t> 'JS again and again'</a:t>
+              <a:t>'JS and Node.js', 'JS again and again'</a:t>
             </a:r>
             <a:r>
               <a:rPr lang="en-US" sz="2400" dirty="0">
@@ -18236,7 +17937,9 @@
             <a:r>
               <a:rPr lang="en-US" sz="2800" noProof="1">
                 <a:solidFill>
-                  <a:schemeClr val="bg1"/>
+                  <a:schemeClr val="bg1">
+                    <a:lumMod val="75000"/>
+                  </a:schemeClr>
                 </a:solidFill>
               </a:rPr>
               <a:t>HelloCSharp</a:t>
@@ -18280,7 +17983,9 @@
             <a:r>
               <a:rPr lang="en-US" sz="2800" noProof="1">
                 <a:solidFill>
-                  <a:schemeClr val="bg1"/>
+                  <a:schemeClr val="bg1">
+                    <a:lumMod val="75000"/>
+                  </a:schemeClr>
                 </a:solidFill>
               </a:rPr>
               <a:t>Main()</a:t>
@@ -18324,7 +18029,9 @@
             <a:r>
               <a:rPr lang="en-US" sz="2800" noProof="1">
                 <a:solidFill>
-                  <a:schemeClr val="bg1"/>
+                  <a:schemeClr val="bg1">
+                    <a:lumMod val="75000"/>
+                  </a:schemeClr>
                 </a:solidFill>
               </a:rPr>
               <a:t>WriteLine</a:t>
@@ -19382,6 +19089,7 @@
             <a:chOff x="2836862" y="1238250"/>
             <a:chExt cx="6515100" cy="5010150"/>
           </a:xfrm>
+          <a:effectLst/>
         </p:grpSpPr>
         <p:pic>
           <p:nvPicPr>
@@ -19406,7 +19114,11 @@
               <a:avLst/>
             </a:prstGeom>
             <a:ln>
-              <a:noFill/>
+              <a:solidFill>
+                <a:schemeClr val="bg2">
+                  <a:lumMod val="65000"/>
+                </a:schemeClr>
+              </a:solidFill>
             </a:ln>
             <a:effectLst>
               <a:outerShdw blurRad="292100" dist="139700" dir="2700000" algn="tl" rotWithShape="0">
@@ -19432,7 +19144,13 @@
               <a:avLst/>
             </a:prstGeom>
             <a:noFill/>
-            <a:ln w="38100"/>
+            <a:ln w="38100">
+              <a:solidFill>
+                <a:schemeClr val="bg2">
+                  <a:lumMod val="65000"/>
+                </a:schemeClr>
+              </a:solidFill>
+            </a:ln>
           </p:spPr>
           <p:style>
             <a:lnRef idx="2">
@@ -19478,6 +19196,13 @@
                 <a:gd name="adj4" fmla="val 30417"/>
               </a:avLst>
             </a:prstGeom>
+            <a:ln>
+              <a:solidFill>
+                <a:schemeClr val="bg2">
+                  <a:lumMod val="65000"/>
+                </a:schemeClr>
+              </a:solidFill>
+            </a:ln>
           </p:spPr>
           <p:style>
             <a:lnRef idx="2">
@@ -21369,7 +21094,9 @@
             <a:r>
               <a:rPr lang="en-US" sz="3600" b="1" noProof="1">
                 <a:solidFill>
-                  <a:schemeClr val="bg1"/>
+                  <a:schemeClr val="bg1">
+                    <a:lumMod val="75000"/>
+                  </a:schemeClr>
                 </a:solidFill>
                 <a:latin typeface="Consolas" panose="020B0609020204030204" pitchFamily="49" charset="0"/>
               </a:rPr>
@@ -21378,28 +21105,38 @@
             <a:r>
               <a:rPr lang="bg-BG" sz="3600" b="1" dirty="0">
                 <a:solidFill>
-                  <a:schemeClr val="bg1"/>
+                  <a:schemeClr val="bg1">
+                    <a:lumMod val="75000"/>
+                  </a:schemeClr>
                 </a:solidFill>
                 <a:latin typeface="Consolas" panose="020B0609020204030204" pitchFamily="49" charset="0"/>
               </a:rPr>
               <a:t>()</a:t>
             </a:r>
             <a:r>
+              <a:rPr lang="en-US" dirty="0">
+                <a:solidFill>
+                  <a:schemeClr val="bg1">
+                    <a:lumMod val="75000"/>
+                  </a:schemeClr>
+                </a:solidFill>
+              </a:rPr>
+              <a:t> </a:t>
+            </a:r>
+            <a:r>
+              <a:rPr lang="bg-BG" dirty="0"/>
+              <a:t>и</a:t>
+            </a:r>
+            <a:r>
               <a:rPr lang="en-US" dirty="0"/>
               <a:t> </a:t>
             </a:r>
             <a:r>
-              <a:rPr lang="bg-BG" dirty="0"/>
-              <a:t>и</a:t>
-            </a:r>
-            <a:r>
-              <a:rPr lang="en-US" dirty="0"/>
-              <a:t> </a:t>
-            </a:r>
-            <a:r>
               <a:rPr lang="en-US" sz="3600" b="1" dirty="0">
                 <a:solidFill>
-                  <a:schemeClr val="bg1"/>
+                  <a:schemeClr val="bg1">
+                    <a:lumMod val="75000"/>
+                  </a:schemeClr>
                 </a:solidFill>
                 <a:latin typeface="Consolas" panose="020B0609020204030204" pitchFamily="49" charset="0"/>
               </a:rPr>
@@ -21408,7 +21145,9 @@
             <a:r>
               <a:rPr lang="bg-BG" sz="3600" b="1" dirty="0">
                 <a:solidFill>
-                  <a:schemeClr val="bg1"/>
+                  <a:schemeClr val="bg1">
+                    <a:lumMod val="75000"/>
+                  </a:schemeClr>
                 </a:solidFill>
                 <a:latin typeface="Consolas" panose="020B0609020204030204" pitchFamily="49" charset="0"/>
               </a:rPr>
@@ -21434,13 +21173,21 @@
             <a:r>
               <a:rPr lang="en-US" b="1" dirty="0">
                 <a:solidFill>
-                  <a:schemeClr val="bg1"/>
+                  <a:schemeClr val="bg1">
+                    <a:lumMod val="75000"/>
+                  </a:schemeClr>
                 </a:solidFill>
                 <a:latin typeface="Consolas" panose="020B0609020204030204" pitchFamily="49" charset="0"/>
               </a:rPr>
               <a:t>Map</a:t>
             </a:r>
-            <a:endParaRPr lang="en-US" dirty="0"/>
+            <a:endParaRPr lang="en-US" dirty="0">
+              <a:solidFill>
+                <a:schemeClr val="bg1">
+                  <a:lumMod val="75000"/>
+                </a:schemeClr>
+              </a:solidFill>
+            </a:endParaRPr>
           </a:p>
           <a:p>
             <a:r>
@@ -21450,13 +21197,21 @@
             <a:r>
               <a:rPr lang="en-US" b="1" dirty="0">
                 <a:solidFill>
-                  <a:schemeClr val="bg1"/>
+                  <a:schemeClr val="bg1">
+                    <a:lumMod val="75000"/>
+                  </a:schemeClr>
                 </a:solidFill>
                 <a:latin typeface="Consolas" panose="020B0609020204030204" pitchFamily="49" charset="0"/>
               </a:rPr>
               <a:t>Set</a:t>
             </a:r>
-            <a:endParaRPr lang="en-US" dirty="0"/>
+            <a:endParaRPr lang="en-US" dirty="0">
+              <a:solidFill>
+                <a:schemeClr val="bg1">
+                  <a:lumMod val="75000"/>
+                </a:schemeClr>
+              </a:solidFill>
+            </a:endParaRPr>
           </a:p>
         </p:txBody>
       </p:sp>
@@ -21855,7 +21610,9 @@
             <a:r>
               <a:rPr lang="bg-BG" b="1" dirty="0">
                 <a:solidFill>
-                  <a:schemeClr val="bg1"/>
+                  <a:schemeClr val="bg1">
+                    <a:lumMod val="75000"/>
+                  </a:schemeClr>
                 </a:solidFill>
               </a:rPr>
               <a:t>Обектите</a:t>
@@ -21871,7 +21628,9 @@
             <a:r>
               <a:rPr lang="bg-BG" b="1" dirty="0">
                 <a:solidFill>
-                  <a:schemeClr val="bg1"/>
+                  <a:schemeClr val="bg1">
+                    <a:lumMod val="75000"/>
+                  </a:schemeClr>
                 </a:solidFill>
               </a:rPr>
               <a:t>Речниците</a:t>
@@ -21911,7 +21670,9 @@
             <a:r>
               <a:rPr lang="bg-BG" b="1" dirty="0">
                 <a:solidFill>
-                  <a:schemeClr val="bg1"/>
+                  <a:schemeClr val="bg1">
+                    <a:lumMod val="75000"/>
+                  </a:schemeClr>
                 </a:solidFill>
               </a:rPr>
               <a:t>Множествата</a:t>
@@ -22131,7 +21892,9 @@
             <a:r>
               <a:rPr lang="en-US" sz="2800" dirty="0">
                 <a:solidFill>
-                  <a:srgbClr val="EA9100"/>
+                  <a:schemeClr val="bg1">
+                    <a:lumMod val="75000"/>
+                  </a:schemeClr>
                 </a:solidFill>
               </a:rPr>
               <a:t>{</a:t>
@@ -22143,7 +21906,9 @@
             <a:r>
               <a:rPr lang="en-US" sz="2800" dirty="0">
                 <a:solidFill>
-                  <a:srgbClr val="EA9100"/>
+                  <a:schemeClr val="bg1">
+                    <a:lumMod val="75000"/>
+                  </a:schemeClr>
                 </a:solidFill>
               </a:rPr>
               <a:t>}</a:t>
@@ -22179,7 +21944,9 @@
             <a:r>
               <a:rPr lang="en-US" sz="2800" dirty="0">
                 <a:solidFill>
-                  <a:srgbClr val="EA9100"/>
+                  <a:schemeClr val="bg1">
+                    <a:lumMod val="75000"/>
+                  </a:schemeClr>
                 </a:solidFill>
               </a:rPr>
               <a:t>delete</a:t>
@@ -22350,7 +22117,9 @@
             <a:r>
               <a:rPr lang="en-US" sz="2800" dirty="0">
                 <a:solidFill>
-                  <a:srgbClr val="EA9100"/>
+                  <a:schemeClr val="bg1">
+                    <a:lumMod val="75000"/>
+                  </a:schemeClr>
                 </a:solidFill>
               </a:rPr>
               <a:t>new Set()</a:t>
@@ -22362,7 +22131,9 @@
             <a:r>
               <a:rPr lang="en-US" sz="2800" dirty="0">
                 <a:solidFill>
-                  <a:srgbClr val="EA9100"/>
+                  <a:schemeClr val="bg1">
+                    <a:lumMod val="75000"/>
+                  </a:schemeClr>
                 </a:solidFill>
               </a:rPr>
               <a:t>add</a:t>
@@ -22666,6 +22437,80 @@
           </a:p>
         </p:txBody>
       </p:sp>
+      <p:sp>
+        <p:nvSpPr>
+          <p:cNvPr id="2" name="Rectangle Bottom Copyright">
+            <a:extLst>
+              <a:ext uri="{FF2B5EF4-FFF2-40B4-BE49-F238E27FC236}">
+                <a16:creationId xmlns:a16="http://schemas.microsoft.com/office/drawing/2014/main" id="{664812A4-2991-44D1-BFE9-32E55AADF8A5}"/>
+              </a:ext>
+            </a:extLst>
+          </p:cNvPr>
+          <p:cNvSpPr/>
+          <p:nvPr/>
+        </p:nvSpPr>
+        <p:spPr>
+          <a:xfrm>
+            <a:off x="111000" y="6454758"/>
+            <a:ext cx="11970000" cy="304242"/>
+          </a:xfrm>
+          <a:prstGeom prst="rect">
+            <a:avLst/>
+          </a:prstGeom>
+        </p:spPr>
+        <p:txBody>
+          <a:bodyPr wrap="square">
+            <a:noAutofit/>
+          </a:bodyPr>
+          <a:lstStyle/>
+          <a:p>
+            <a:pPr algn="ctr">
+              <a:lnSpc>
+                <a:spcPct val="100000"/>
+              </a:lnSpc>
+              <a:spcBef>
+                <a:spcPts val="0"/>
+              </a:spcBef>
+              <a:spcAft>
+                <a:spcPts val="0"/>
+              </a:spcAft>
+            </a:pPr>
+            <a:r>
+              <a:rPr lang="bg-BG" sz="1600" noProof="0" dirty="0">
+                <a:solidFill>
+                  <a:schemeClr val="bg2"/>
+                </a:solidFill>
+                <a:effectLst/>
+                <a:latin typeface="Calibri" panose="020F0502020204030204" pitchFamily="34" charset="0"/>
+                <a:ea typeface="Calibri" panose="020F0502020204030204" pitchFamily="34" charset="0"/>
+                <a:cs typeface="Arial" panose="020B0604020202020204" pitchFamily="34" charset="0"/>
+              </a:rPr>
+              <a:t>Работна група "Образование по програмиране и ИТ" – свободно учебно съдържание (лиценз </a:t>
+            </a:r>
+            <a:r>
+              <a:rPr lang="en-US" sz="1600" noProof="0" dirty="0">
+                <a:solidFill>
+                  <a:schemeClr val="bg2"/>
+                </a:solidFill>
+                <a:effectLst/>
+                <a:latin typeface="Calibri" panose="020F0502020204030204" pitchFamily="34" charset="0"/>
+                <a:ea typeface="Calibri" panose="020F0502020204030204" pitchFamily="34" charset="0"/>
+                <a:cs typeface="Arial" panose="020B0604020202020204" pitchFamily="34" charset="0"/>
+              </a:rPr>
+              <a:t>CC-BY-SA)</a:t>
+            </a:r>
+            <a:endParaRPr lang="en-US" sz="2400" noProof="0" dirty="0">
+              <a:solidFill>
+                <a:schemeClr val="bg2"/>
+              </a:solidFill>
+              <a:effectLst/>
+              <a:latin typeface="Calibri" panose="020F0502020204030204" pitchFamily="34" charset="0"/>
+              <a:ea typeface="Calibri" panose="020F0502020204030204" pitchFamily="34" charset="0"/>
+              <a:cs typeface="Arial" panose="020B0604020202020204" pitchFamily="34" charset="0"/>
+            </a:endParaRPr>
+          </a:p>
+        </p:txBody>
+      </p:sp>
     </p:spTree>
     <p:extLst>
       <p:ext uri="{BB962C8B-B14F-4D97-AF65-F5344CB8AC3E}">
@@ -22765,12 +22610,12 @@
         <p:spPr>
           <a:xfrm>
             <a:off x="190402" y="1269001"/>
-            <a:ext cx="10495598" cy="5455890"/>
+            <a:ext cx="9865598" cy="2474999"/>
           </a:xfrm>
         </p:spPr>
         <p:txBody>
           <a:bodyPr>
-            <a:normAutofit lnSpcReduction="10000"/>
+            <a:normAutofit/>
           </a:bodyPr>
           <a:lstStyle/>
           <a:p>
@@ -22780,98 +22625,42 @@
               </a:lnSpc>
             </a:pPr>
             <a:r>
-              <a:rPr lang="bg-BG" dirty="0"/>
+              <a:rPr lang="bg-BG" sz="3200" dirty="0"/>
               <a:t>Този курс</a:t>
             </a:r>
             <a:r>
-              <a:rPr lang="en-US" dirty="0"/>
+              <a:rPr lang="en-US" sz="3200" dirty="0"/>
               <a:t> (</a:t>
             </a:r>
             <a:r>
-              <a:rPr lang="bg-BG" dirty="0"/>
+              <a:rPr lang="bg-BG" sz="3200" dirty="0"/>
               <a:t>презентации, примери, демонстрационен код, упражнения, домашни, видео и други активи</a:t>
             </a:r>
             <a:r>
-              <a:rPr lang="en-US" dirty="0"/>
+              <a:rPr lang="en-US" sz="3200" dirty="0"/>
               <a:t>) </a:t>
             </a:r>
             <a:r>
-              <a:rPr lang="bg-BG" dirty="0"/>
+              <a:rPr lang="bg-BG" sz="3200" dirty="0"/>
               <a:t>представлява</a:t>
             </a:r>
             <a:r>
-              <a:rPr lang="en-US" dirty="0"/>
+              <a:rPr lang="en-US" sz="3200" dirty="0"/>
               <a:t> </a:t>
             </a:r>
             <a:r>
-              <a:rPr lang="bg-BG" b="1" dirty="0"/>
+              <a:rPr lang="bg-BG" sz="3200" b="1" dirty="0"/>
               <a:t>свободно учебно съдържание </a:t>
             </a:r>
             <a:r>
-              <a:rPr lang="bg-BG" dirty="0"/>
+              <a:rPr lang="bg-BG" sz="3200" dirty="0"/>
               <a:t>и се разпространява под свободен лиценз </a:t>
             </a:r>
             <a:r>
-              <a:rPr lang="en-US" b="1" dirty="0"/>
+              <a:rPr lang="en-US" sz="3200" b="1" dirty="0"/>
               <a:t>CC-BY-SA</a:t>
             </a:r>
-          </a:p>
-          <a:p>
-            <a:pPr>
-              <a:lnSpc>
-                <a:spcPct val="120000"/>
-              </a:lnSpc>
-            </a:pPr>
-            <a:endParaRPr lang="bg-BG" dirty="0"/>
-          </a:p>
-          <a:p>
-            <a:pPr>
-              <a:lnSpc>
-                <a:spcPct val="120000"/>
-              </a:lnSpc>
-            </a:pPr>
-            <a:endParaRPr lang="bg-BG" dirty="0"/>
-          </a:p>
-          <a:p>
-            <a:pPr>
-              <a:lnSpc>
-                <a:spcPct val="120000"/>
-              </a:lnSpc>
-            </a:pPr>
-            <a:r>
-              <a:rPr lang="bg-BG" dirty="0"/>
-              <a:t>Работна група "Образование" @ БАСКОМ</a:t>
-            </a:r>
-          </a:p>
-          <a:p>
-            <a:pPr lvl="1">
-              <a:lnSpc>
-                <a:spcPct val="120000"/>
-              </a:lnSpc>
-            </a:pPr>
-            <a:r>
-              <a:rPr lang="en-US" dirty="0">
-                <a:hlinkClick r:id="rId3"/>
-              </a:rPr>
-              <a:t>https://github.com/BASSCOM-Edu</a:t>
-            </a:r>
-            <a:endParaRPr lang="bg-BG" dirty="0"/>
-          </a:p>
-          <a:p>
-            <a:pPr>
-              <a:lnSpc>
-                <a:spcPct val="120000"/>
-              </a:lnSpc>
-            </a:pPr>
-            <a:endParaRPr lang="bg-BG" dirty="0"/>
-          </a:p>
-          <a:p>
-            <a:pPr>
-              <a:lnSpc>
-                <a:spcPct val="120000"/>
-              </a:lnSpc>
-            </a:pPr>
-            <a:endParaRPr lang="bg-BG" dirty="0"/>
+            <a:endParaRPr lang="bg-BG" sz="3200" dirty="0"/>
           </a:p>
         </p:txBody>
       </p:sp>
@@ -22890,7 +22679,7 @@
           <p:nvPr/>
         </p:nvPicPr>
         <p:blipFill>
-          <a:blip r:embed="rId4">
+          <a:blip r:embed="rId3">
             <a:clrChange>
               <a:clrFrom>
                 <a:srgbClr val="FFFFFF"/>
@@ -22908,8 +22697,8 @@
         </p:blipFill>
         <p:spPr>
           <a:xfrm>
-            <a:off x="10215151" y="1764000"/>
-            <a:ext cx="1595849" cy="1688880"/>
+            <a:off x="10178763" y="1476179"/>
+            <a:ext cx="990897" cy="1048661"/>
           </a:xfrm>
           <a:prstGeom prst="rect">
             <a:avLst/>
@@ -22947,7 +22736,7 @@
       <p:pic>
         <p:nvPicPr>
           <p:cNvPr id="4" name="License">
-            <a:hlinkClick r:id="rId5"/>
+            <a:hlinkClick r:id="rId4"/>
             <a:extLst>
               <a:ext uri="{FF2B5EF4-FFF2-40B4-BE49-F238E27FC236}">
                 <a16:creationId xmlns:a16="http://schemas.microsoft.com/office/drawing/2014/main" id="{9637DC7C-A4D5-4B55-8164-037B2364A89A}"/>
@@ -22960,7 +22749,7 @@
           <p:nvPr/>
         </p:nvPicPr>
         <p:blipFill>
-          <a:blip r:embed="rId6">
+          <a:blip r:embed="rId5">
             <a:extLst>
               <a:ext uri="{28A0092B-C50C-407E-A947-70E740481C1C}">
                 <a14:useLocalDpi xmlns:a14="http://schemas.microsoft.com/office/drawing/2010/main" val="0"/>
@@ -22974,8 +22763,8 @@
         </p:blipFill>
         <p:spPr bwMode="auto">
           <a:xfrm>
-            <a:off x="4439283" y="3816867"/>
-            <a:ext cx="3313434" cy="1167469"/>
+            <a:off x="9536033" y="2708359"/>
+            <a:ext cx="2216997" cy="781145"/>
           </a:xfrm>
           <a:prstGeom prst="rect">
             <a:avLst/>
@@ -22995,7 +22784,7 @@
       <p:pic>
         <p:nvPicPr>
           <p:cNvPr id="9" name="Logo">
-            <a:hlinkClick r:id="rId7"/>
+            <a:hlinkClick r:id="rId6"/>
             <a:extLst>
               <a:ext uri="{FF2B5EF4-FFF2-40B4-BE49-F238E27FC236}">
                 <a16:creationId xmlns:a16="http://schemas.microsoft.com/office/drawing/2014/main" id="{C795C292-C01D-4780-A018-22CF12288C8F}"/>
@@ -23008,7 +22797,7 @@
           <p:nvPr/>
         </p:nvPicPr>
         <p:blipFill>
-          <a:blip r:embed="rId8">
+          <a:blip r:embed="rId7">
             <a:extLst>
               <a:ext uri="{28A0092B-C50C-407E-A947-70E740481C1C}">
                 <a14:useLocalDpi xmlns:a14="http://schemas.microsoft.com/office/drawing/2010/main" val="0"/>
@@ -23020,14 +22809,264 @@
         </p:blipFill>
         <p:spPr>
           <a:xfrm>
-            <a:off x="8986654" y="5354168"/>
-            <a:ext cx="2638674" cy="1035000"/>
+            <a:off x="6020792" y="5609218"/>
+            <a:ext cx="2085913" cy="818182"/>
           </a:xfrm>
           <a:prstGeom prst="rect">
             <a:avLst/>
           </a:prstGeom>
         </p:spPr>
       </p:pic>
+      <p:sp>
+        <p:nvSpPr>
+          <p:cNvPr id="11" name="TextBox 10">
+            <a:extLst>
+              <a:ext uri="{FF2B5EF4-FFF2-40B4-BE49-F238E27FC236}">
+                <a16:creationId xmlns:a16="http://schemas.microsoft.com/office/drawing/2014/main" id="{0C18DF19-B750-4C88-975B-661A6BF61F5E}"/>
+              </a:ext>
+            </a:extLst>
+          </p:cNvPr>
+          <p:cNvSpPr txBox="1"/>
+          <p:nvPr/>
+        </p:nvSpPr>
+        <p:spPr>
+          <a:xfrm>
+            <a:off x="190401" y="3927519"/>
+            <a:ext cx="11562629" cy="1234825"/>
+          </a:xfrm>
+          <a:prstGeom prst="rect">
+            <a:avLst/>
+          </a:prstGeom>
+          <a:noFill/>
+          <a:ln w="12700">
+            <a:noFill/>
+          </a:ln>
+        </p:spPr>
+        <p:txBody>
+          <a:bodyPr wrap="square">
+            <a:spAutoFit/>
+          </a:bodyPr>
+          <a:lstStyle/>
+          <a:p>
+            <a:pPr marL="360363" marR="0" lvl="0" indent="-360363" algn="l" defTabSz="1218438" rtl="0" eaLnBrk="1" fontAlgn="auto" latinLnBrk="0" hangingPunct="1">
+              <a:lnSpc>
+                <a:spcPct val="120000"/>
+              </a:lnSpc>
+              <a:spcBef>
+                <a:spcPts val="600"/>
+              </a:spcBef>
+              <a:spcAft>
+                <a:spcPts val="600"/>
+              </a:spcAft>
+              <a:buClrTx/>
+              <a:buSzTx/>
+              <a:buFont typeface="Wingdings" panose="05000000000000000000" pitchFamily="2" charset="2"/>
+              <a:buChar char="§"/>
+              <a:tabLst/>
+              <a:defRPr/>
+            </a:pPr>
+            <a:r>
+              <a:rPr kumimoji="0" lang="bg-BG" sz="3200" b="0" i="0" u="none" strike="noStrike" kern="1200" cap="none" spc="0" normalizeH="0" baseline="0" noProof="0" dirty="0">
+                <a:ln>
+                  <a:noFill/>
+                </a:ln>
+                <a:solidFill>
+                  <a:srgbClr val="234465"/>
+                </a:solidFill>
+                <a:effectLst/>
+                <a:uLnTx/>
+                <a:uFillTx/>
+                <a:latin typeface="Calibri"/>
+                <a:ea typeface="+mn-ea"/>
+                <a:cs typeface="+mn-cs"/>
+              </a:rPr>
+              <a:t>Работна група "Образование</a:t>
+            </a:r>
+            <a:r>
+              <a:rPr kumimoji="0" lang="en-US" sz="3200" b="0" i="0" u="none" strike="noStrike" kern="1200" cap="none" spc="0" normalizeH="0" baseline="0" noProof="0" dirty="0">
+                <a:ln>
+                  <a:noFill/>
+                </a:ln>
+                <a:solidFill>
+                  <a:srgbClr val="234465"/>
+                </a:solidFill>
+                <a:effectLst/>
+                <a:uLnTx/>
+                <a:uFillTx/>
+                <a:latin typeface="Calibri"/>
+                <a:ea typeface="+mn-ea"/>
+                <a:cs typeface="+mn-cs"/>
+              </a:rPr>
+              <a:t> </a:t>
+            </a:r>
+            <a:r>
+              <a:rPr kumimoji="0" lang="bg-BG" sz="3200" b="0" i="0" u="none" strike="noStrike" kern="1200" cap="none" spc="0" normalizeH="0" baseline="0" noProof="0" dirty="0">
+                <a:ln>
+                  <a:noFill/>
+                </a:ln>
+                <a:solidFill>
+                  <a:srgbClr val="234465"/>
+                </a:solidFill>
+                <a:effectLst/>
+                <a:uLnTx/>
+                <a:uFillTx/>
+                <a:latin typeface="Calibri"/>
+                <a:ea typeface="+mn-ea"/>
+                <a:cs typeface="+mn-cs"/>
+              </a:rPr>
+              <a:t>по програмиране и ИТ"</a:t>
+            </a:r>
+            <a:r>
+              <a:rPr kumimoji="0" lang="en-US" sz="3200" b="0" i="0" u="none" strike="noStrike" kern="1200" cap="none" spc="0" normalizeH="0" baseline="0" noProof="0" dirty="0">
+                <a:ln>
+                  <a:noFill/>
+                </a:ln>
+                <a:solidFill>
+                  <a:srgbClr val="234465"/>
+                </a:solidFill>
+                <a:effectLst/>
+                <a:uLnTx/>
+                <a:uFillTx/>
+                <a:latin typeface="Calibri"/>
+                <a:ea typeface="+mn-ea"/>
+                <a:cs typeface="+mn-cs"/>
+              </a:rPr>
+              <a:t>: </a:t>
+            </a:r>
+            <a:r>
+              <a:rPr kumimoji="0" lang="en-US" sz="3200" b="0" i="0" u="none" strike="noStrike" kern="1200" cap="none" spc="0" normalizeH="0" baseline="0" noProof="0" dirty="0">
+                <a:ln>
+                  <a:noFill/>
+                </a:ln>
+                <a:solidFill>
+                  <a:srgbClr val="234465"/>
+                </a:solidFill>
+                <a:effectLst/>
+                <a:uLnTx/>
+                <a:uFillTx/>
+                <a:latin typeface="Calibri"/>
+                <a:ea typeface="+mn-ea"/>
+                <a:cs typeface="+mn-cs"/>
+                <a:hlinkClick r:id="rId8"/>
+              </a:rPr>
+              <a:t>https://github.com/BG-IT-Edu</a:t>
+            </a:r>
+            <a:endParaRPr kumimoji="0" lang="bg-BG" sz="3200" b="0" i="0" u="none" strike="noStrike" kern="1200" cap="none" spc="0" normalizeH="0" baseline="0" noProof="0" dirty="0">
+              <a:ln>
+                <a:noFill/>
+              </a:ln>
+              <a:solidFill>
+                <a:srgbClr val="234465"/>
+              </a:solidFill>
+              <a:effectLst/>
+              <a:uLnTx/>
+              <a:uFillTx/>
+              <a:latin typeface="Calibri"/>
+              <a:ea typeface="+mn-ea"/>
+              <a:cs typeface="+mn-cs"/>
+            </a:endParaRPr>
+          </a:p>
+        </p:txBody>
+      </p:sp>
+      <p:sp>
+        <p:nvSpPr>
+          <p:cNvPr id="12" name="TextBox 11">
+            <a:extLst>
+              <a:ext uri="{FF2B5EF4-FFF2-40B4-BE49-F238E27FC236}">
+                <a16:creationId xmlns:a16="http://schemas.microsoft.com/office/drawing/2014/main" id="{A9DDE896-DA7B-4B20-8EF4-8C52DB03F470}"/>
+              </a:ext>
+            </a:extLst>
+          </p:cNvPr>
+          <p:cNvSpPr txBox="1"/>
+          <p:nvPr/>
+        </p:nvSpPr>
+        <p:spPr>
+          <a:xfrm>
+            <a:off x="190401" y="5696362"/>
+            <a:ext cx="5320599" cy="643894"/>
+          </a:xfrm>
+          <a:prstGeom prst="rect">
+            <a:avLst/>
+          </a:prstGeom>
+          <a:noFill/>
+          <a:ln w="12700">
+            <a:noFill/>
+          </a:ln>
+        </p:spPr>
+        <p:txBody>
+          <a:bodyPr wrap="square">
+            <a:spAutoFit/>
+          </a:bodyPr>
+          <a:lstStyle/>
+          <a:p>
+            <a:pPr marL="360363" marR="0" lvl="0" indent="-360363" algn="l" defTabSz="1218438" rtl="0" eaLnBrk="1" fontAlgn="auto" latinLnBrk="0" hangingPunct="1">
+              <a:lnSpc>
+                <a:spcPct val="120000"/>
+              </a:lnSpc>
+              <a:spcBef>
+                <a:spcPts val="600"/>
+              </a:spcBef>
+              <a:spcAft>
+                <a:spcPts val="600"/>
+              </a:spcAft>
+              <a:buClrTx/>
+              <a:buSzTx/>
+              <a:buFont typeface="Wingdings" panose="05000000000000000000" pitchFamily="2" charset="2"/>
+              <a:buChar char="§"/>
+              <a:tabLst/>
+              <a:defRPr/>
+            </a:pPr>
+            <a:r>
+              <a:rPr kumimoji="0" lang="bg-BG" sz="3200" b="0" i="0" u="none" strike="noStrike" kern="1200" cap="none" spc="0" normalizeH="0" baseline="0" noProof="0" dirty="0">
+                <a:ln>
+                  <a:noFill/>
+                </a:ln>
+                <a:solidFill>
+                  <a:srgbClr val="234465"/>
+                </a:solidFill>
+                <a:effectLst/>
+                <a:uLnTx/>
+                <a:uFillTx/>
+                <a:latin typeface="Calibri"/>
+                <a:ea typeface="+mn-ea"/>
+                <a:cs typeface="+mn-cs"/>
+              </a:rPr>
+              <a:t>С подкрепата на </a:t>
+            </a:r>
+            <a:r>
+              <a:rPr kumimoji="0" lang="en-US" sz="3200" b="0" i="0" u="none" strike="noStrike" kern="1200" cap="none" spc="0" normalizeH="0" baseline="0" noProof="0" dirty="0">
+                <a:ln>
+                  <a:noFill/>
+                </a:ln>
+                <a:solidFill>
+                  <a:srgbClr val="234465"/>
+                </a:solidFill>
+                <a:effectLst/>
+                <a:uLnTx/>
+                <a:uFillTx/>
+                <a:latin typeface="Calibri"/>
+                <a:ea typeface="+mn-ea"/>
+                <a:cs typeface="+mn-cs"/>
+              </a:rPr>
+              <a:t>BASSCOM</a:t>
+            </a:r>
+            <a:endParaRPr kumimoji="0" lang="bg-BG" sz="3200" b="0" i="0" u="none" strike="noStrike" kern="1200" cap="none" spc="0" normalizeH="0" baseline="0" noProof="0" dirty="0">
+              <a:ln>
+                <a:noFill/>
+              </a:ln>
+              <a:solidFill>
+                <a:srgbClr val="234465"/>
+              </a:solidFill>
+              <a:effectLst/>
+              <a:uLnTx/>
+              <a:uFillTx/>
+              <a:latin typeface="Calibri"/>
+              <a:ea typeface="+mn-ea"/>
+              <a:cs typeface="+mn-cs"/>
+            </a:endParaRPr>
+          </a:p>
+        </p:txBody>
+      </p:sp>
     </p:spTree>
     <p:extLst>
       <p:ext uri="{BB962C8B-B14F-4D97-AF65-F5344CB8AC3E}">
@@ -23295,14 +23334,18 @@
             <a:r>
               <a:rPr lang="bg-BG" b="1" dirty="0">
                 <a:solidFill>
-                  <a:schemeClr val="bg1"/>
+                  <a:schemeClr val="bg1">
+                    <a:lumMod val="75000"/>
+                  </a:schemeClr>
                 </a:solidFill>
               </a:rPr>
               <a:t>темата от този слайд</a:t>
             </a:r>
             <a:endParaRPr lang="en-US" b="1" dirty="0">
               <a:solidFill>
-                <a:schemeClr val="bg1"/>
+                <a:schemeClr val="bg1">
+                  <a:lumMod val="75000"/>
+                </a:schemeClr>
               </a:solidFill>
             </a:endParaRPr>
           </a:p>
@@ -23319,7 +23362,9 @@
             <a:r>
               <a:rPr lang="en-US" b="1" dirty="0">
                 <a:solidFill>
-                  <a:schemeClr val="bg1"/>
+                  <a:schemeClr val="bg1">
+                    <a:lumMod val="75000"/>
+                  </a:schemeClr>
                 </a:solidFill>
               </a:rPr>
               <a:t>Set</a:t>
@@ -23492,7 +23537,9 @@
             <a:r>
               <a:rPr lang="en-US" sz="2800" dirty="0">
                 <a:solidFill>
-                  <a:schemeClr val="bg1"/>
+                  <a:schemeClr val="bg1">
+                    <a:lumMod val="75000"/>
+                  </a:schemeClr>
                 </a:solidFill>
               </a:rPr>
               <a:t>new Set()</a:t>
@@ -23515,7 +23562,9 @@
             <a:r>
               <a:rPr lang="en-US" sz="2800" dirty="0">
                 <a:solidFill>
-                  <a:schemeClr val="bg1"/>
+                  <a:schemeClr val="bg1">
+                    <a:lumMod val="75000"/>
+                  </a:schemeClr>
                 </a:solidFill>
               </a:rPr>
               <a:t>add</a:t>
@@ -23527,7 +23576,9 @@
             <a:r>
               <a:rPr lang="en-US" sz="2800" dirty="0">
                 <a:solidFill>
-                  <a:schemeClr val="bg1"/>
+                  <a:schemeClr val="bg1">
+                    <a:lumMod val="75000"/>
+                  </a:schemeClr>
                 </a:solidFill>
               </a:rPr>
               <a:t>add</a:t>
@@ -23550,7 +23601,9 @@
             <a:r>
               <a:rPr lang="en-US" sz="2800" dirty="0">
                 <a:solidFill>
-                  <a:schemeClr val="bg1"/>
+                  <a:schemeClr val="bg1">
+                    <a:lumMod val="75000"/>
+                  </a:schemeClr>
                 </a:solidFill>
               </a:rPr>
               <a:t>add</a:t>
@@ -23562,7 +23615,9 @@
             <a:r>
               <a:rPr lang="en-US" sz="2800" dirty="0">
                 <a:solidFill>
-                  <a:schemeClr val="bg1"/>
+                  <a:schemeClr val="bg1">
+                    <a:lumMod val="75000"/>
+                  </a:schemeClr>
                 </a:solidFill>
               </a:rPr>
               <a:t>add</a:t>
@@ -23585,7 +23640,9 @@
             <a:r>
               <a:rPr lang="en-US" sz="2800" dirty="0">
                 <a:solidFill>
-                  <a:schemeClr val="bg1"/>
+                  <a:schemeClr val="bg1">
+                    <a:lumMod val="75000"/>
+                  </a:schemeClr>
                 </a:solidFill>
               </a:rPr>
               <a:t>has</a:t>
@@ -23616,7 +23673,9 @@
             <a:r>
               <a:rPr lang="en-US" sz="2800" dirty="0">
                 <a:solidFill>
-                  <a:schemeClr val="bg1"/>
+                  <a:schemeClr val="bg1">
+                    <a:lumMod val="75000"/>
+                  </a:schemeClr>
                 </a:solidFill>
               </a:rPr>
               <a:t>add</a:t>
@@ -23647,7 +23706,9 @@
             <a:r>
               <a:rPr lang="en-US" sz="2800" dirty="0">
                 <a:solidFill>
-                  <a:schemeClr val="bg1"/>
+                  <a:schemeClr val="bg1">
+                    <a:lumMod val="75000"/>
+                  </a:schemeClr>
                 </a:solidFill>
               </a:rPr>
               <a:t>delete</a:t>
@@ -23674,7 +23735,9 @@
             <a:r>
               <a:rPr lang="en-US" sz="2800" dirty="0">
                 <a:solidFill>
-                  <a:schemeClr val="bg1"/>
+                  <a:schemeClr val="bg1">
+                    <a:lumMod val="75000"/>
+                  </a:schemeClr>
                 </a:solidFill>
               </a:rPr>
               <a:t>for</a:t>
@@ -23686,7 +23749,9 @@
             <a:r>
               <a:rPr lang="en-US" sz="2800" dirty="0">
                 <a:solidFill>
-                  <a:schemeClr val="bg1"/>
+                  <a:schemeClr val="bg1">
+                    <a:lumMod val="75000"/>
+                  </a:schemeClr>
                 </a:solidFill>
               </a:rPr>
               <a:t>of</a:t>
@@ -24352,7 +24417,9 @@
             <a:r>
               <a:rPr lang="en-US" noProof="1">
                 <a:solidFill>
-                  <a:schemeClr val="bg1"/>
+                  <a:schemeClr val="bg1">
+                    <a:lumMod val="75000"/>
+                  </a:schemeClr>
                 </a:solidFill>
               </a:rPr>
               <a:t>new.target </a:t>
@@ -24378,7 +24445,9 @@
             <a:r>
               <a:rPr lang="en-US" noProof="1">
                 <a:solidFill>
-                  <a:schemeClr val="bg1"/>
+                  <a:schemeClr val="bg1">
+                    <a:lumMod val="75000"/>
+                  </a:schemeClr>
                 </a:solidFill>
               </a:rPr>
               <a:t>throw new TypeError</a:t>
@@ -24677,15 +24746,7 @@
             </a:pPr>
             <a:r>
               <a:rPr lang="bg-BG" dirty="0"/>
-              <a:t>Програмистите </a:t>
-            </a:r>
-            <a:r>
-              <a:rPr lang="bg-BG" dirty="0" err="1"/>
-              <a:t>учаат</a:t>
-            </a:r>
-            <a:r>
-              <a:rPr lang="bg-BG" dirty="0"/>
-              <a:t> нови технологии и езици постоянно</a:t>
+              <a:t>Програмистите учат нови технологии и езици постоянно</a:t>
             </a:r>
             <a:r>
               <a:rPr lang="en-US" dirty="0"/>
@@ -25461,7 +25522,7 @@
           <a:p>
             <a:r>
               <a:rPr lang="en-US" sz="2800" dirty="0"/>
-              <a:t>class Circle {</a:t>
+              <a:t>class circle {</a:t>
             </a:r>
           </a:p>
           <a:p>
@@ -25869,7 +25930,7 @@
         </p:nvSpPr>
         <p:spPr bwMode="auto">
           <a:xfrm>
-            <a:off x="6900776" y="4817692"/>
+            <a:off x="6900776" y="5125677"/>
             <a:ext cx="3789507" cy="975946"/>
           </a:xfrm>
           <a:prstGeom prst="rect">
@@ -25917,7 +25978,7 @@
         </p:nvSpPr>
         <p:spPr>
           <a:xfrm>
-            <a:off x="5824517" y="5105578"/>
+            <a:off x="5824517" y="5413563"/>
             <a:ext cx="542966" cy="381000"/>
           </a:xfrm>
           <a:prstGeom prst="rightArrow">
@@ -25969,7 +26030,7 @@
         </p:nvSpPr>
         <p:spPr bwMode="auto">
           <a:xfrm>
-            <a:off x="990602" y="4294473"/>
+            <a:off x="990602" y="4602458"/>
             <a:ext cx="4300624" cy="1751542"/>
           </a:xfrm>
           <a:prstGeom prst="rect">
@@ -27162,14 +27223,16 @@
             <a:r>
               <a:rPr lang="en-US" noProof="1">
                 <a:solidFill>
-                  <a:schemeClr val="bg1"/>
+                  <a:schemeClr val="bg1">
+                    <a:lumMod val="75000"/>
+                  </a:schemeClr>
                 </a:solidFill>
               </a:rPr>
-              <a:t>module.exports</a:t>
+              <a:t>module.exports </a:t>
             </a:r>
             <a:r>
               <a:rPr lang="en-US" noProof="1"/>
-              <a:t> = Person;</a:t>
+              <a:t>= Person;</a:t>
             </a:r>
           </a:p>
         </p:txBody>
@@ -27477,7 +27540,9 @@
             <a:r>
               <a:rPr lang="en-US" noProof="1">
                 <a:solidFill>
-                  <a:schemeClr val="bg1"/>
+                  <a:schemeClr val="bg1">
+                    <a:lumMod val="75000"/>
+                  </a:schemeClr>
                 </a:solidFill>
               </a:rPr>
               <a:t>require</a:t>
@@ -28743,7 +28808,7 @@
 <file path=ppt/theme/theme1.xml><?xml version="1.0" encoding="utf-8"?>
 <a:theme xmlns:a="http://schemas.openxmlformats.org/drawingml/2006/main" name="SoftUni">
   <a:themeElements>
-    <a:clrScheme name="SoftUni">
+    <a:clrScheme name="Custom 8">
       <a:dk1>
         <a:srgbClr val="234465"/>
       </a:dk1>
@@ -28775,10 +28840,10 @@
         <a:srgbClr val="F4F5F7"/>
       </a:accent6>
       <a:hlink>
-        <a:srgbClr val="F2AC44"/>
+        <a:srgbClr val="DF8B0F"/>
       </a:hlink>
       <a:folHlink>
-        <a:srgbClr val="F6C781"/>
+        <a:srgbClr val="EF9511"/>
       </a:folHlink>
     </a:clrScheme>
     <a:fontScheme name="SoftUni">
